--- a/Our_App_presentation.pptx
+++ b/Our_App_presentation.pptx
@@ -106,6 +106,11 @@
       </a:defRPr>
     </a:lvl9pPr>
   </p:defaultTextStyle>
+  <p:extLst>
+    <p:ext uri="{EFAFB233-063F-42B5-8137-9DF3F51BA10A}">
+      <p15:sldGuideLst xmlns:p15="http://schemas.microsoft.com/office/powerpoint/2012/main"/>
+    </p:ext>
+  </p:extLst>
 </p:presentation>
 </file>
 
@@ -258,7 +263,7 @@
           <a:p>
             <a:fld id="{46D806C5-0A7A-472A-B806-D5897D962778}" type="datetimeFigureOut">
               <a:rPr lang="en-IL" smtClean="0"/>
-              <a:t>25/06/2021</a:t>
+              <a:t>06/25/2021</a:t>
             </a:fld>
             <a:endParaRPr lang="en-IL"/>
           </a:p>
@@ -458,7 +463,7 @@
           <a:p>
             <a:fld id="{46D806C5-0A7A-472A-B806-D5897D962778}" type="datetimeFigureOut">
               <a:rPr lang="en-IL" smtClean="0"/>
-              <a:t>25/06/2021</a:t>
+              <a:t>06/25/2021</a:t>
             </a:fld>
             <a:endParaRPr lang="en-IL"/>
           </a:p>
@@ -668,7 +673,7 @@
           <a:p>
             <a:fld id="{46D806C5-0A7A-472A-B806-D5897D962778}" type="datetimeFigureOut">
               <a:rPr lang="en-IL" smtClean="0"/>
-              <a:t>25/06/2021</a:t>
+              <a:t>06/25/2021</a:t>
             </a:fld>
             <a:endParaRPr lang="en-IL"/>
           </a:p>
@@ -868,7 +873,7 @@
           <a:p>
             <a:fld id="{46D806C5-0A7A-472A-B806-D5897D962778}" type="datetimeFigureOut">
               <a:rPr lang="en-IL" smtClean="0"/>
-              <a:t>25/06/2021</a:t>
+              <a:t>06/25/2021</a:t>
             </a:fld>
             <a:endParaRPr lang="en-IL"/>
           </a:p>
@@ -1144,7 +1149,7 @@
           <a:p>
             <a:fld id="{46D806C5-0A7A-472A-B806-D5897D962778}" type="datetimeFigureOut">
               <a:rPr lang="en-IL" smtClean="0"/>
-              <a:t>25/06/2021</a:t>
+              <a:t>06/25/2021</a:t>
             </a:fld>
             <a:endParaRPr lang="en-IL"/>
           </a:p>
@@ -1412,7 +1417,7 @@
           <a:p>
             <a:fld id="{46D806C5-0A7A-472A-B806-D5897D962778}" type="datetimeFigureOut">
               <a:rPr lang="en-IL" smtClean="0"/>
-              <a:t>25/06/2021</a:t>
+              <a:t>06/25/2021</a:t>
             </a:fld>
             <a:endParaRPr lang="en-IL"/>
           </a:p>
@@ -1827,7 +1832,7 @@
           <a:p>
             <a:fld id="{46D806C5-0A7A-472A-B806-D5897D962778}" type="datetimeFigureOut">
               <a:rPr lang="en-IL" smtClean="0"/>
-              <a:t>25/06/2021</a:t>
+              <a:t>06/25/2021</a:t>
             </a:fld>
             <a:endParaRPr lang="en-IL"/>
           </a:p>
@@ -1969,7 +1974,7 @@
           <a:p>
             <a:fld id="{46D806C5-0A7A-472A-B806-D5897D962778}" type="datetimeFigureOut">
               <a:rPr lang="en-IL" smtClean="0"/>
-              <a:t>25/06/2021</a:t>
+              <a:t>06/25/2021</a:t>
             </a:fld>
             <a:endParaRPr lang="en-IL"/>
           </a:p>
@@ -2082,7 +2087,7 @@
           <a:p>
             <a:fld id="{46D806C5-0A7A-472A-B806-D5897D962778}" type="datetimeFigureOut">
               <a:rPr lang="en-IL" smtClean="0"/>
-              <a:t>25/06/2021</a:t>
+              <a:t>06/25/2021</a:t>
             </a:fld>
             <a:endParaRPr lang="en-IL"/>
           </a:p>
@@ -2395,7 +2400,7 @@
           <a:p>
             <a:fld id="{46D806C5-0A7A-472A-B806-D5897D962778}" type="datetimeFigureOut">
               <a:rPr lang="en-IL" smtClean="0"/>
-              <a:t>25/06/2021</a:t>
+              <a:t>06/25/2021</a:t>
             </a:fld>
             <a:endParaRPr lang="en-IL"/>
           </a:p>
@@ -2684,7 +2689,7 @@
           <a:p>
             <a:fld id="{46D806C5-0A7A-472A-B806-D5897D962778}" type="datetimeFigureOut">
               <a:rPr lang="en-IL" smtClean="0"/>
-              <a:t>25/06/2021</a:t>
+              <a:t>06/25/2021</a:t>
             </a:fld>
             <a:endParaRPr lang="en-IL"/>
           </a:p>
@@ -2927,7 +2932,7 @@
           <a:p>
             <a:fld id="{46D806C5-0A7A-472A-B806-D5897D962778}" type="datetimeFigureOut">
               <a:rPr lang="en-IL" smtClean="0"/>
-              <a:t>25/06/2021</a:t>
+              <a:t>06/25/2021</a:t>
             </a:fld>
             <a:endParaRPr lang="en-IL"/>
           </a:p>
@@ -3492,12 +3497,14 @@
         </p:nvSpPr>
         <p:spPr>
           <a:xfrm>
-            <a:off x="0" y="126461"/>
-            <a:ext cx="12412494" cy="1564228"/>
+            <a:off x="-110247" y="92279"/>
+            <a:ext cx="12412494" cy="614677"/>
           </a:xfrm>
         </p:spPr>
         <p:txBody>
-          <a:bodyPr/>
+          <a:bodyPr>
+            <a:normAutofit fontScale="90000"/>
+          </a:bodyPr>
           <a:lstStyle/>
           <a:p>
             <a:r>
@@ -3509,7 +3516,7 @@
                   </a:schemeClr>
                 </a:solidFill>
               </a:rPr>
-              <a:t>Mvvm illustrated in the project in the following ways:</a:t>
+              <a:t>MVVM illustrated in the project in the following ways:</a:t>
             </a:r>
             <a:endParaRPr lang="en-IL" dirty="0">
               <a:solidFill>
@@ -3540,8 +3547,8 @@
         </p:nvSpPr>
         <p:spPr>
           <a:xfrm>
-            <a:off x="838200" y="1429966"/>
-            <a:ext cx="10515600" cy="5223753"/>
+            <a:off x="838200" y="706956"/>
+            <a:ext cx="10515600" cy="5979070"/>
           </a:xfrm>
         </p:spPr>
         <p:txBody>
@@ -3559,7 +3566,23 @@
                   </a:schemeClr>
                 </a:solidFill>
               </a:rPr>
-              <a:t>In this project we binded the seek bars(throttle, rudder) to the view and from there we binded it to the view model, so essentially we binded the information from the view to the view model.</a:t>
+              <a:t>In this project we created text boxes for the ip, port values and seek bars for the rudder, throttle values and a button to try to connect to flight gear with the input given from the user.</a:t>
+            </a:r>
+          </a:p>
+          <a:p>
+            <a:pPr marL="0" indent="0">
+              <a:buNone/>
+            </a:pPr>
+            <a:r>
+              <a:rPr lang="en-US" dirty="0">
+                <a:solidFill>
+                  <a:schemeClr val="accent4">
+                    <a:lumMod val="60000"/>
+                    <a:lumOff val="40000"/>
+                  </a:schemeClr>
+                </a:solidFill>
+              </a:rPr>
+              <a:t>In order to know when a value was updated, we added a listeners to them, and to a button to check when a value was updated and update the required fields.</a:t>
             </a:r>
           </a:p>
           <a:p>
@@ -3573,6 +3596,9 @@
             </a:endParaRPr>
           </a:p>
           <a:p>
+            <a:pPr marL="0" indent="0">
+              <a:buNone/>
+            </a:pPr>
             <a:endParaRPr lang="en-US" dirty="0">
               <a:solidFill>
                 <a:schemeClr val="accent4">
@@ -3583,16 +3609,6 @@
             </a:endParaRPr>
           </a:p>
           <a:p>
-            <a:endParaRPr lang="en-US" dirty="0">
-              <a:solidFill>
-                <a:schemeClr val="accent4">
-                  <a:lumMod val="60000"/>
-                  <a:lumOff val="40000"/>
-                </a:schemeClr>
-              </a:solidFill>
-            </a:endParaRPr>
-          </a:p>
-          <a:p>
             <a:r>
               <a:rPr lang="en-US" dirty="0">
                 <a:solidFill>
@@ -3602,20 +3618,7 @@
                   </a:schemeClr>
                 </a:solidFill>
               </a:rPr>
-              <a:t> following that  we game command from the view model to the model.</a:t>
-            </a:r>
-          </a:p>
-          <a:p>
-            <a:r>
-              <a:rPr lang="en-US" dirty="0">
-                <a:solidFill>
-                  <a:schemeClr val="accent4">
-                    <a:lumMod val="60000"/>
-                    <a:lumOff val="40000"/>
-                  </a:schemeClr>
-                </a:solidFill>
-              </a:rPr>
-              <a:t>As for the joystick, we implemented the Strategy Design pattern, as well as dependency injection so that the joystick doesn’t know the View Model class, and doesn’t have access to it’s variables. </a:t>
+              <a:t> Furthermore, we developed a custom joystick that controls the values of the aileron, elevator values. But the joystick doesn’t know the viewModel so we injected a function into it from the main activity which has a field of the viewModel and thus we can update the model every time a value changed and separated the components according to the MVVM architecture.</a:t>
             </a:r>
           </a:p>
         </p:txBody>
@@ -3730,7 +3733,7 @@
         </p:nvSpPr>
         <p:spPr>
           <a:xfrm>
-            <a:off x="838200" y="622570"/>
+            <a:off x="838200" y="706460"/>
             <a:ext cx="10515600" cy="6235429"/>
           </a:xfrm>
         </p:spPr>
@@ -3749,20 +3752,7 @@
                   <a:srgbClr val="FFC000"/>
                 </a:solidFill>
               </a:rPr>
-              <a:t>Active object is being illustrated in our project in the following way:</a:t>
-            </a:r>
-          </a:p>
-          <a:p>
-            <a:pPr marL="0" indent="0">
-              <a:buNone/>
-            </a:pPr>
-            <a:r>
-              <a:rPr lang="en-US" dirty="0">
-                <a:solidFill>
-                  <a:srgbClr val="FFC000"/>
-                </a:solidFill>
-              </a:rPr>
-              <a:t>The server which accepts a client is running continuously ,regardless of whether we entered the Ip and port, as well as whether we move the joystick and the seek bars.</a:t>
+              <a:t>In order to avoid busy waiting, we used a blocking queue inside the model class, and a thread that runs on an infinite loop trying to get a new runnable from the queue.</a:t>
             </a:r>
           </a:p>
           <a:p>
@@ -3779,11 +3769,14 @@
             <a:pPr marL="0" indent="0">
               <a:buNone/>
             </a:pPr>
-            <a:endParaRPr lang="en-US" dirty="0">
-              <a:solidFill>
-                <a:srgbClr val="FFC000"/>
-              </a:solidFill>
-            </a:endParaRPr>
+            <a:r>
+              <a:rPr lang="en-US" dirty="0">
+                <a:solidFill>
+                  <a:srgbClr val="FFC000"/>
+                </a:solidFill>
+              </a:rPr>
+              <a:t>Whenever a value changed -&gt; in the joystick, text boxes or the seek bars, we needed to update the model about it, so each time an update happened we created a new runnable that updates said value inside the model.</a:t>
+            </a:r>
           </a:p>
           <a:p>
             <a:pPr marL="0" indent="0">
@@ -3799,43 +3792,13 @@
             <a:pPr marL="0" indent="0">
               <a:buNone/>
             </a:pPr>
-            <a:endParaRPr lang="en-US" dirty="0">
-              <a:solidFill>
-                <a:srgbClr val="FFC000"/>
-              </a:solidFill>
-            </a:endParaRPr>
-          </a:p>
-          <a:p>
-            <a:pPr marL="0" indent="0">
-              <a:buNone/>
-            </a:pPr>
-            <a:endParaRPr lang="en-US" dirty="0">
-              <a:solidFill>
-                <a:srgbClr val="FFC000"/>
-              </a:solidFill>
-            </a:endParaRPr>
-          </a:p>
-          <a:p>
-            <a:pPr marL="0" indent="0">
-              <a:buNone/>
-            </a:pPr>
-            <a:endParaRPr lang="en-US" dirty="0">
-              <a:solidFill>
-                <a:srgbClr val="FFC000"/>
-              </a:solidFill>
-            </a:endParaRPr>
-          </a:p>
-          <a:p>
-            <a:pPr marL="0" indent="0">
-              <a:buNone/>
-            </a:pPr>
             <a:r>
               <a:rPr lang="en-US" dirty="0">
                 <a:solidFill>
                   <a:srgbClr val="FFC000"/>
                 </a:solidFill>
               </a:rPr>
-              <a:t> Meaning they run in parallel, which is basically what active object design pattern means, we don’t wait for one activity to end  and then start the next activity. Instead we run the two activities simultaneously.</a:t>
+              <a:t>And thus, whenever a value changed on the main thread, the thread that was waiting for updates, received it, processed it and we didn’t have to block the main thread until said update is complete.</a:t>
             </a:r>
             <a:endParaRPr lang="en-IL" dirty="0">
               <a:solidFill>
